--- a/84 - Heavenly Father, Grant Thy Blessing.pptx
+++ b/84 - Heavenly Father, Grant Thy Blessing.pptx
@@ -242,7 +242,7 @@
           <a:p>
             <a:fld id="{32F7251A-AE54-443C-B8FE-5F636E835EBF}" type="datetimeFigureOut">
               <a:rPr lang="en-US" smtClean="0"/>
-              <a:t>2/25/2018</a:t>
+              <a:t>8/2/2020</a:t>
             </a:fld>
             <a:endParaRPr lang="en-US"/>
           </a:p>
@@ -410,7 +410,7 @@
           <a:p>
             <a:fld id="{32F7251A-AE54-443C-B8FE-5F636E835EBF}" type="datetimeFigureOut">
               <a:rPr lang="en-US" smtClean="0"/>
-              <a:t>2/25/2018</a:t>
+              <a:t>8/2/2020</a:t>
             </a:fld>
             <a:endParaRPr lang="en-US"/>
           </a:p>
@@ -588,7 +588,7 @@
           <a:p>
             <a:fld id="{32F7251A-AE54-443C-B8FE-5F636E835EBF}" type="datetimeFigureOut">
               <a:rPr lang="en-US" smtClean="0"/>
-              <a:t>2/25/2018</a:t>
+              <a:t>8/2/2020</a:t>
             </a:fld>
             <a:endParaRPr lang="en-US"/>
           </a:p>
@@ -756,7 +756,7 @@
           <a:p>
             <a:fld id="{32F7251A-AE54-443C-B8FE-5F636E835EBF}" type="datetimeFigureOut">
               <a:rPr lang="en-US" smtClean="0"/>
-              <a:t>2/25/2018</a:t>
+              <a:t>8/2/2020</a:t>
             </a:fld>
             <a:endParaRPr lang="en-US"/>
           </a:p>
@@ -1001,7 +1001,7 @@
           <a:p>
             <a:fld id="{32F7251A-AE54-443C-B8FE-5F636E835EBF}" type="datetimeFigureOut">
               <a:rPr lang="en-US" smtClean="0"/>
-              <a:t>2/25/2018</a:t>
+              <a:t>8/2/2020</a:t>
             </a:fld>
             <a:endParaRPr lang="en-US"/>
           </a:p>
@@ -1230,7 +1230,7 @@
           <a:p>
             <a:fld id="{32F7251A-AE54-443C-B8FE-5F636E835EBF}" type="datetimeFigureOut">
               <a:rPr lang="en-US" smtClean="0"/>
-              <a:t>2/25/2018</a:t>
+              <a:t>8/2/2020</a:t>
             </a:fld>
             <a:endParaRPr lang="en-US"/>
           </a:p>
@@ -1594,7 +1594,7 @@
           <a:p>
             <a:fld id="{32F7251A-AE54-443C-B8FE-5F636E835EBF}" type="datetimeFigureOut">
               <a:rPr lang="en-US" smtClean="0"/>
-              <a:t>2/25/2018</a:t>
+              <a:t>8/2/2020</a:t>
             </a:fld>
             <a:endParaRPr lang="en-US"/>
           </a:p>
@@ -1711,7 +1711,7 @@
           <a:p>
             <a:fld id="{32F7251A-AE54-443C-B8FE-5F636E835EBF}" type="datetimeFigureOut">
               <a:rPr lang="en-US" smtClean="0"/>
-              <a:t>2/25/2018</a:t>
+              <a:t>8/2/2020</a:t>
             </a:fld>
             <a:endParaRPr lang="en-US"/>
           </a:p>
@@ -1806,7 +1806,7 @@
           <a:p>
             <a:fld id="{32F7251A-AE54-443C-B8FE-5F636E835EBF}" type="datetimeFigureOut">
               <a:rPr lang="en-US" smtClean="0"/>
-              <a:t>2/25/2018</a:t>
+              <a:t>8/2/2020</a:t>
             </a:fld>
             <a:endParaRPr lang="en-US"/>
           </a:p>
@@ -2081,7 +2081,7 @@
           <a:p>
             <a:fld id="{32F7251A-AE54-443C-B8FE-5F636E835EBF}" type="datetimeFigureOut">
               <a:rPr lang="en-US" smtClean="0"/>
-              <a:t>2/25/2018</a:t>
+              <a:t>8/2/2020</a:t>
             </a:fld>
             <a:endParaRPr lang="en-US"/>
           </a:p>
@@ -2333,7 +2333,7 @@
           <a:p>
             <a:fld id="{32F7251A-AE54-443C-B8FE-5F636E835EBF}" type="datetimeFigureOut">
               <a:rPr lang="en-US" smtClean="0"/>
-              <a:t>2/25/2018</a:t>
+              <a:t>8/2/2020</a:t>
             </a:fld>
             <a:endParaRPr lang="en-US"/>
           </a:p>
@@ -2400,7 +2400,9 @@
     <p:bg>
       <p:bgPr>
         <a:solidFill>
-          <a:srgbClr val="333333"/>
+          <a:schemeClr val="bg1">
+            <a:lumMod val="10000"/>
+          </a:schemeClr>
         </a:solidFill>
         <a:effectLst/>
       </p:bgPr>
@@ -2547,7 +2549,7 @@
           <a:p>
             <a:fld id="{32F7251A-AE54-443C-B8FE-5F636E835EBF}" type="datetimeFigureOut">
               <a:rPr lang="en-US" smtClean="0"/>
-              <a:t>2/25/2018</a:t>
+              <a:t>8/2/2020</a:t>
             </a:fld>
             <a:endParaRPr lang="en-US"/>
           </a:p>
@@ -3017,8 +3019,8 @@
         </p:nvSpPr>
         <p:spPr>
           <a:xfrm>
-            <a:off x="0" y="5804209"/>
-            <a:ext cx="12192000" cy="830997"/>
+            <a:off x="0" y="5927320"/>
+            <a:ext cx="12192000" cy="584775"/>
           </a:xfrm>
           <a:prstGeom prst="rect">
             <a:avLst/>
@@ -3033,10 +3035,12 @@
           <a:p>
             <a:pPr algn="ctr"/>
             <a:r>
-              <a:rPr lang="en-US" sz="4800" dirty="0">
+              <a:rPr lang="en-US" sz="3200" u="sng" dirty="0">
                 <a:solidFill>
                   <a:schemeClr val="bg1"/>
                 </a:solidFill>
+                <a:latin typeface="Assistant SemiBold" panose="00000700000000000000" pitchFamily="2" charset="-79"/>
+                <a:cs typeface="Assistant SemiBold" panose="00000700000000000000" pitchFamily="2" charset="-79"/>
               </a:rPr>
               <a:t>“Heavenly Father, Grant Thy Blessing”</a:t>
             </a:r>
@@ -3051,8 +3055,8 @@
         </p:nvSpPr>
         <p:spPr>
           <a:xfrm>
-            <a:off x="0" y="215807"/>
-            <a:ext cx="12192000" cy="5078313"/>
+            <a:off x="0" y="729571"/>
+            <a:ext cx="12192000" cy="3970318"/>
           </a:xfrm>
           <a:prstGeom prst="rect">
             <a:avLst/>
@@ -3067,10 +3071,12 @@
           <a:p>
             <a:pPr algn="ctr"/>
             <a:r>
-              <a:rPr lang="en-US" sz="3600" dirty="0">
+              <a:rPr lang="en-US" sz="2800" spc="50" dirty="0">
                 <a:solidFill>
                   <a:schemeClr val="bg1"/>
                 </a:solidFill>
+                <a:latin typeface="Assistant" panose="00000500000000000000" pitchFamily="2" charset="-79"/>
+                <a:cs typeface="Assistant" panose="00000500000000000000" pitchFamily="2" charset="-79"/>
               </a:rPr>
               <a:t>Heavenly Father, grant Thy blessing</a:t>
             </a:r>
@@ -3078,10 +3084,12 @@
           <a:p>
             <a:pPr algn="ctr"/>
             <a:r>
-              <a:rPr lang="en-US" sz="3600" dirty="0">
+              <a:rPr lang="en-US" sz="2800" spc="50" dirty="0">
                 <a:solidFill>
                   <a:schemeClr val="bg1"/>
                 </a:solidFill>
+                <a:latin typeface="Assistant" panose="00000500000000000000" pitchFamily="2" charset="-79"/>
+                <a:cs typeface="Assistant" panose="00000500000000000000" pitchFamily="2" charset="-79"/>
               </a:rPr>
               <a:t>On the teaching of this day,</a:t>
             </a:r>
@@ -3089,10 +3097,12 @@
           <a:p>
             <a:pPr algn="ctr"/>
             <a:r>
-              <a:rPr lang="en-US" sz="3600" dirty="0">
+              <a:rPr lang="en-US" sz="2800" spc="50" dirty="0">
                 <a:solidFill>
                   <a:schemeClr val="bg1"/>
                 </a:solidFill>
+                <a:latin typeface="Assistant" panose="00000500000000000000" pitchFamily="2" charset="-79"/>
+                <a:cs typeface="Assistant" panose="00000500000000000000" pitchFamily="2" charset="-79"/>
               </a:rPr>
               <a:t>That our hearts, Thy fear possessing,</a:t>
             </a:r>
@@ -3100,45 +3110,55 @@
           <a:p>
             <a:pPr algn="ctr"/>
             <a:r>
-              <a:rPr lang="en-US" sz="3600" dirty="0">
+              <a:rPr lang="en-US" sz="2800" spc="50" dirty="0">
                 <a:solidFill>
                   <a:schemeClr val="bg1"/>
                 </a:solidFill>
+                <a:latin typeface="Assistant" panose="00000500000000000000" pitchFamily="2" charset="-79"/>
+                <a:cs typeface="Assistant" panose="00000500000000000000" pitchFamily="2" charset="-79"/>
               </a:rPr>
               <a:t>May from sin be turned away.</a:t>
             </a:r>
           </a:p>
           <a:p>
             <a:pPr algn="ctr"/>
-            <a:endParaRPr lang="en-US" sz="3600" dirty="0">
+            <a:endParaRPr lang="en-US" sz="2800" spc="50" dirty="0">
               <a:solidFill>
                 <a:schemeClr val="bg1"/>
               </a:solidFill>
+              <a:latin typeface="Assistant" panose="00000500000000000000" pitchFamily="2" charset="-79"/>
+              <a:cs typeface="Assistant" panose="00000500000000000000" pitchFamily="2" charset="-79"/>
             </a:endParaRPr>
           </a:p>
           <a:p>
             <a:pPr algn="ctr"/>
             <a:r>
-              <a:rPr lang="en-US" sz="3600" dirty="0">
+              <a:rPr lang="en-US" sz="2800" spc="50" dirty="0">
                 <a:solidFill>
                   <a:schemeClr val="bg1"/>
                 </a:solidFill>
+                <a:latin typeface="Assistant" panose="00000500000000000000" pitchFamily="2" charset="-79"/>
+                <a:cs typeface="Assistant" panose="00000500000000000000" pitchFamily="2" charset="-79"/>
               </a:rPr>
               <a:t>May the grace of Christ, our </a:t>
             </a:r>
             <a:r>
-              <a:rPr lang="en-US" sz="3600" dirty="0" err="1">
+              <a:rPr lang="en-US" sz="2800" spc="50" dirty="0" err="1">
                 <a:solidFill>
                   <a:schemeClr val="bg1"/>
                 </a:solidFill>
+                <a:latin typeface="Assistant" panose="00000500000000000000" pitchFamily="2" charset="-79"/>
+                <a:cs typeface="Assistant" panose="00000500000000000000" pitchFamily="2" charset="-79"/>
               </a:rPr>
               <a:t>Saviour</a:t>
             </a:r>
             <a:r>
-              <a:rPr lang="en-US" sz="3600" dirty="0">
+              <a:rPr lang="en-US" sz="2800" spc="50" dirty="0">
                 <a:solidFill>
                   <a:schemeClr val="bg1"/>
                 </a:solidFill>
+                <a:latin typeface="Assistant" panose="00000500000000000000" pitchFamily="2" charset="-79"/>
+                <a:cs typeface="Assistant" panose="00000500000000000000" pitchFamily="2" charset="-79"/>
               </a:rPr>
               <a:t>,</a:t>
             </a:r>
@@ -3146,10 +3166,12 @@
           <a:p>
             <a:pPr algn="ctr"/>
             <a:r>
-              <a:rPr lang="en-US" sz="3600" dirty="0">
+              <a:rPr lang="en-US" sz="2800" spc="50" dirty="0">
                 <a:solidFill>
                   <a:schemeClr val="bg1"/>
                 </a:solidFill>
+                <a:latin typeface="Assistant" panose="00000500000000000000" pitchFamily="2" charset="-79"/>
+                <a:cs typeface="Assistant" panose="00000500000000000000" pitchFamily="2" charset="-79"/>
               </a:rPr>
               <a:t>And the Father’s boundless love,</a:t>
             </a:r>
@@ -3157,10 +3179,12 @@
           <a:p>
             <a:pPr algn="ctr"/>
             <a:r>
-              <a:rPr lang="en-US" sz="3600" dirty="0">
+              <a:rPr lang="en-US" sz="2800" spc="50" dirty="0">
                 <a:solidFill>
                   <a:schemeClr val="bg1"/>
                 </a:solidFill>
+                <a:latin typeface="Assistant" panose="00000500000000000000" pitchFamily="2" charset="-79"/>
+                <a:cs typeface="Assistant" panose="00000500000000000000" pitchFamily="2" charset="-79"/>
               </a:rPr>
               <a:t>With the Holy Spirit’s favor,</a:t>
             </a:r>
@@ -3168,10 +3192,12 @@
           <a:p>
             <a:pPr algn="ctr"/>
             <a:r>
-              <a:rPr lang="en-US" sz="3600" dirty="0">
+              <a:rPr lang="en-US" sz="2800" spc="50" dirty="0">
                 <a:solidFill>
                   <a:schemeClr val="bg1"/>
                 </a:solidFill>
+                <a:latin typeface="Assistant" panose="00000500000000000000" pitchFamily="2" charset="-79"/>
+                <a:cs typeface="Assistant" panose="00000500000000000000" pitchFamily="2" charset="-79"/>
               </a:rPr>
               <a:t>Rest upon us from above.</a:t>
             </a:r>
@@ -3273,8 +3299,8 @@
         </p:nvSpPr>
         <p:spPr>
           <a:xfrm>
-            <a:off x="0" y="5804209"/>
-            <a:ext cx="12192000" cy="830997"/>
+            <a:off x="0" y="5927320"/>
+            <a:ext cx="12192000" cy="584775"/>
           </a:xfrm>
           <a:prstGeom prst="rect">
             <a:avLst/>
@@ -3289,10 +3315,12 @@
           <a:p>
             <a:pPr algn="ctr"/>
             <a:r>
-              <a:rPr lang="en-US" sz="4800" dirty="0">
+              <a:rPr lang="en-US" sz="3200" u="sng" dirty="0">
                 <a:solidFill>
                   <a:schemeClr val="bg1"/>
                 </a:solidFill>
+                <a:latin typeface="Assistant SemiBold" panose="00000700000000000000" pitchFamily="2" charset="-79"/>
+                <a:cs typeface="Assistant SemiBold" panose="00000700000000000000" pitchFamily="2" charset="-79"/>
               </a:rPr>
               <a:t>“Heavenly Father, Grant Thy Blessing”</a:t>
             </a:r>
@@ -3307,8 +3335,8 @@
         </p:nvSpPr>
         <p:spPr>
           <a:xfrm>
-            <a:off x="0" y="215807"/>
-            <a:ext cx="12192000" cy="5078313"/>
+            <a:off x="0" y="729571"/>
+            <a:ext cx="12192000" cy="3970318"/>
           </a:xfrm>
           <a:prstGeom prst="rect">
             <a:avLst/>
@@ -3323,10 +3351,12 @@
           <a:p>
             <a:pPr algn="ctr"/>
             <a:r>
-              <a:rPr lang="en-US" sz="3600" dirty="0">
+              <a:rPr lang="en-US" sz="2800" spc="50" dirty="0">
                 <a:solidFill>
                   <a:schemeClr val="bg1"/>
                 </a:solidFill>
+                <a:latin typeface="Assistant" panose="00000500000000000000" pitchFamily="2" charset="-79"/>
+                <a:cs typeface="Assistant" panose="00000500000000000000" pitchFamily="2" charset="-79"/>
               </a:rPr>
               <a:t>Have we wandered? O forgive us!</a:t>
             </a:r>
@@ -3334,10 +3364,12 @@
           <a:p>
             <a:pPr algn="ctr"/>
             <a:r>
-              <a:rPr lang="en-US" sz="3600" dirty="0">
+              <a:rPr lang="en-US" sz="2800" spc="50" dirty="0">
                 <a:solidFill>
                   <a:schemeClr val="bg1"/>
                 </a:solidFill>
+                <a:latin typeface="Assistant" panose="00000500000000000000" pitchFamily="2" charset="-79"/>
+                <a:cs typeface="Assistant" panose="00000500000000000000" pitchFamily="2" charset="-79"/>
               </a:rPr>
               <a:t>Have we wished from truth to rove?</a:t>
             </a:r>
@@ -3345,10 +3377,12 @@
           <a:p>
             <a:pPr algn="ctr"/>
             <a:r>
-              <a:rPr lang="en-US" sz="3600" dirty="0">
+              <a:rPr lang="en-US" sz="2800" spc="50" dirty="0">
                 <a:solidFill>
                   <a:schemeClr val="bg1"/>
                 </a:solidFill>
+                <a:latin typeface="Assistant" panose="00000500000000000000" pitchFamily="2" charset="-79"/>
+                <a:cs typeface="Assistant" panose="00000500000000000000" pitchFamily="2" charset="-79"/>
               </a:rPr>
               <a:t>Turn, oh turn us and receive us</a:t>
             </a:r>
@@ -3356,29 +3390,35 @@
           <a:p>
             <a:pPr algn="ctr"/>
             <a:r>
-              <a:rPr lang="en-US" sz="3600" dirty="0">
+              <a:rPr lang="en-US" sz="2800" spc="50" dirty="0">
                 <a:solidFill>
                   <a:schemeClr val="bg1"/>
                 </a:solidFill>
+                <a:latin typeface="Assistant" panose="00000500000000000000" pitchFamily="2" charset="-79"/>
+                <a:cs typeface="Assistant" panose="00000500000000000000" pitchFamily="2" charset="-79"/>
               </a:rPr>
               <a:t>And incline us Thee to love.</a:t>
             </a:r>
           </a:p>
           <a:p>
             <a:pPr algn="ctr"/>
-            <a:endParaRPr lang="en-US" sz="3600" dirty="0">
+            <a:endParaRPr lang="en-US" sz="2800" spc="50" dirty="0">
               <a:solidFill>
                 <a:schemeClr val="bg1"/>
               </a:solidFill>
+              <a:latin typeface="Assistant" panose="00000500000000000000" pitchFamily="2" charset="-79"/>
+              <a:cs typeface="Assistant" panose="00000500000000000000" pitchFamily="2" charset="-79"/>
             </a:endParaRPr>
           </a:p>
           <a:p>
             <a:pPr algn="ctr"/>
             <a:r>
-              <a:rPr lang="en-US" sz="3600" dirty="0">
+              <a:rPr lang="en-US" sz="2800" spc="50" dirty="0">
                 <a:solidFill>
                   <a:schemeClr val="bg1"/>
                 </a:solidFill>
+                <a:latin typeface="Assistant" panose="00000500000000000000" pitchFamily="2" charset="-79"/>
+                <a:cs typeface="Assistant" panose="00000500000000000000" pitchFamily="2" charset="-79"/>
               </a:rPr>
               <a:t>Thus may we abide in union</a:t>
             </a:r>
@@ -3386,10 +3426,12 @@
           <a:p>
             <a:pPr algn="ctr"/>
             <a:r>
-              <a:rPr lang="en-US" sz="3600" dirty="0">
+              <a:rPr lang="en-US" sz="2800" spc="50" dirty="0">
                 <a:solidFill>
                   <a:schemeClr val="bg1"/>
                 </a:solidFill>
+                <a:latin typeface="Assistant" panose="00000500000000000000" pitchFamily="2" charset="-79"/>
+                <a:cs typeface="Assistant" panose="00000500000000000000" pitchFamily="2" charset="-79"/>
               </a:rPr>
               <a:t>With each other and the Lord,</a:t>
             </a:r>
@@ -3397,10 +3439,12 @@
           <a:p>
             <a:pPr algn="ctr"/>
             <a:r>
-              <a:rPr lang="en-US" sz="3600" dirty="0">
+              <a:rPr lang="en-US" sz="2800" spc="50" dirty="0">
                 <a:solidFill>
                   <a:schemeClr val="bg1"/>
                 </a:solidFill>
+                <a:latin typeface="Assistant" panose="00000500000000000000" pitchFamily="2" charset="-79"/>
+                <a:cs typeface="Assistant" panose="00000500000000000000" pitchFamily="2" charset="-79"/>
               </a:rPr>
               <a:t>And possess, in sweet communion,</a:t>
             </a:r>
@@ -3408,10 +3452,12 @@
           <a:p>
             <a:pPr algn="ctr"/>
             <a:r>
-              <a:rPr lang="en-US" sz="3600" dirty="0">
+              <a:rPr lang="en-US" sz="2800" spc="50" dirty="0">
                 <a:solidFill>
                   <a:schemeClr val="bg1"/>
                 </a:solidFill>
+                <a:latin typeface="Assistant" panose="00000500000000000000" pitchFamily="2" charset="-79"/>
+                <a:cs typeface="Assistant" panose="00000500000000000000" pitchFamily="2" charset="-79"/>
               </a:rPr>
               <a:t>Joys which earth cannot afford.</a:t>
             </a:r>
